--- a/ccn/randy_slides/oreilly_ccn_brainareas.pptx
+++ b/ccn/randy_slides/oreilly_ccn_brainareas.pptx
@@ -5,10 +5,10 @@
     <p:sldMasterId id="2147483660" r:id="rId1"/>
   </p:sldMasterIdLst>
   <p:notesMasterIdLst>
-    <p:notesMasterId r:id="rId17"/>
+    <p:notesMasterId r:id="rId19"/>
   </p:notesMasterIdLst>
   <p:handoutMasterIdLst>
-    <p:handoutMasterId r:id="rId18"/>
+    <p:handoutMasterId r:id="rId20"/>
   </p:handoutMasterIdLst>
   <p:sldIdLst>
     <p:sldId id="341" r:id="rId2"/>
@@ -26,6 +26,8 @@
     <p:sldId id="351" r:id="rId14"/>
     <p:sldId id="353" r:id="rId15"/>
     <p:sldId id="352" r:id="rId16"/>
+    <p:sldId id="312" r:id="rId17"/>
+    <p:sldId id="313" r:id="rId18"/>
   </p:sldIdLst>
   <p:sldSz cx="9144000" cy="6858000" type="screen4x3"/>
   <p:notesSz cx="6858000" cy="9144000"/>
@@ -226,7 +228,7 @@
             <a:fld id="{134E0E46-09FB-E94F-B740-AE4D5C6FE5DD}" type="datetimeFigureOut">
               <a:rPr lang="en-US" smtClean="0"/>
               <a:pPr/>
-              <a:t>2/19/19</a:t>
+              <a:t>4/14/20</a:t>
             </a:fld>
             <a:endParaRPr lang="en-US"/>
           </a:p>
@@ -394,7 +396,7 @@
             <a:fld id="{A39D9CCF-58B7-6C4F-9057-0B7282734A9C}" type="datetimeFigureOut">
               <a:rPr lang="en-US" smtClean="0"/>
               <a:pPr/>
-              <a:t>2/19/19</a:t>
+              <a:t>4/14/20</a:t>
             </a:fld>
             <a:endParaRPr lang="en-US"/>
           </a:p>
@@ -867,6 +869,91 @@
 </p:notes>
 </file>
 
+<file path=ppt/notesSlides/notesSlide3.xml><?xml version="1.0" encoding="utf-8"?>
+<p:notes xmlns:a="http://schemas.openxmlformats.org/drawingml/2006/main" xmlns:r="http://schemas.openxmlformats.org/officeDocument/2006/relationships" xmlns:p="http://schemas.openxmlformats.org/presentationml/2006/main">
+  <p:cSld>
+    <p:spTree>
+      <p:nvGrpSpPr>
+        <p:cNvPr id="1" name=""/>
+        <p:cNvGrpSpPr/>
+        <p:nvPr/>
+      </p:nvGrpSpPr>
+      <p:grpSpPr>
+        <a:xfrm>
+          <a:off x="0" y="0"/>
+          <a:ext cx="0" cy="0"/>
+          <a:chOff x="0" y="0"/>
+          <a:chExt cx="0" cy="0"/>
+        </a:xfrm>
+      </p:grpSpPr>
+      <p:sp>
+        <p:nvSpPr>
+          <p:cNvPr id="2" name="Slide Image Placeholder 1"/>
+          <p:cNvSpPr>
+            <a:spLocks noGrp="1" noRot="1" noChangeAspect="1"/>
+          </p:cNvSpPr>
+          <p:nvPr>
+            <p:ph type="sldImg"/>
+          </p:nvPr>
+        </p:nvSpPr>
+        <p:spPr/>
+      </p:sp>
+      <p:sp>
+        <p:nvSpPr>
+          <p:cNvPr id="3" name="Notes Placeholder 2"/>
+          <p:cNvSpPr>
+            <a:spLocks noGrp="1"/>
+          </p:cNvSpPr>
+          <p:nvPr>
+            <p:ph type="body" idx="1"/>
+          </p:nvPr>
+        </p:nvSpPr>
+        <p:spPr/>
+        <p:txBody>
+          <a:bodyPr/>
+          <a:lstStyle/>
+          <a:p>
+            <a:endParaRPr lang="en-US" dirty="0"/>
+          </a:p>
+        </p:txBody>
+      </p:sp>
+      <p:sp>
+        <p:nvSpPr>
+          <p:cNvPr id="4" name="Slide Number Placeholder 3"/>
+          <p:cNvSpPr>
+            <a:spLocks noGrp="1"/>
+          </p:cNvSpPr>
+          <p:nvPr>
+            <p:ph type="sldNum" sz="quarter" idx="5"/>
+          </p:nvPr>
+        </p:nvSpPr>
+        <p:spPr/>
+        <p:txBody>
+          <a:bodyPr/>
+          <a:lstStyle/>
+          <a:p>
+            <a:fld id="{EF5F784C-09B2-C64B-B8B7-C89AD37B13C0}" type="slidenum">
+              <a:rPr lang="en-US" smtClean="0"/>
+              <a:pPr/>
+              <a:t>16</a:t>
+            </a:fld>
+            <a:endParaRPr lang="en-US"/>
+          </a:p>
+        </p:txBody>
+      </p:sp>
+    </p:spTree>
+    <p:extLst>
+      <p:ext uri="{BB962C8B-B14F-4D97-AF65-F5344CB8AC3E}">
+        <p14:creationId xmlns:p14="http://schemas.microsoft.com/office/powerpoint/2010/main" val="1847123202"/>
+      </p:ext>
+    </p:extLst>
+  </p:cSld>
+  <p:clrMapOvr>
+    <a:masterClrMapping/>
+  </p:clrMapOvr>
+</p:notes>
+</file>
+
 <file path=ppt/slideLayouts/slideLayout1.xml><?xml version="1.0" encoding="utf-8"?>
 <p:sldLayout xmlns:a="http://schemas.openxmlformats.org/drawingml/2006/main" xmlns:r="http://schemas.openxmlformats.org/officeDocument/2006/relationships" xmlns:p="http://schemas.openxmlformats.org/presentationml/2006/main" type="title" preserve="1">
   <p:cSld name="Title Slide">
@@ -997,7 +1084,7 @@
             <a:fld id="{0F43610C-CF0F-A341-95E3-9AC2B6738F38}" type="datetime1">
               <a:rPr lang="en-US" smtClean="0"/>
               <a:pPr/>
-              <a:t>2/19/19</a:t>
+              <a:t>4/14/20</a:t>
             </a:fld>
             <a:endParaRPr lang="en-US"/>
           </a:p>
@@ -1174,7 +1261,7 @@
             <a:fld id="{80722BD1-6F2E-954E-9666-DACFAE059D87}" type="datetime1">
               <a:rPr lang="en-US" smtClean="0"/>
               <a:pPr/>
-              <a:t>2/19/19</a:t>
+              <a:t>4/14/20</a:t>
             </a:fld>
             <a:endParaRPr lang="en-US"/>
           </a:p>
@@ -1361,7 +1448,7 @@
             <a:fld id="{81719E71-40F5-594A-A597-B9A1F7A8E2A0}" type="datetime1">
               <a:rPr lang="en-US" smtClean="0"/>
               <a:pPr/>
-              <a:t>2/19/19</a:t>
+              <a:t>4/14/20</a:t>
             </a:fld>
             <a:endParaRPr lang="en-US"/>
           </a:p>
@@ -1538,7 +1625,7 @@
             <a:fld id="{80E7870B-B594-BE4F-883F-5AA3BF0E980A}" type="datetime1">
               <a:rPr lang="en-US" smtClean="0"/>
               <a:pPr/>
-              <a:t>2/19/19</a:t>
+              <a:t>4/14/20</a:t>
             </a:fld>
             <a:endParaRPr lang="en-US"/>
           </a:p>
@@ -1738,7 +1825,7 @@
             <a:fld id="{4001173A-C22D-A545-AA98-51D0B584A64A}" type="datetime1">
               <a:rPr lang="en-US" smtClean="0"/>
               <a:pPr/>
-              <a:t>2/19/19</a:t>
+              <a:t>4/14/20</a:t>
             </a:fld>
             <a:endParaRPr lang="en-US"/>
           </a:p>
@@ -2032,7 +2119,7 @@
             <a:fld id="{8627B750-1BB8-F846-854F-817BE719E813}" type="datetime1">
               <a:rPr lang="en-US" smtClean="0"/>
               <a:pPr/>
-              <a:t>2/19/19</a:t>
+              <a:t>4/14/20</a:t>
             </a:fld>
             <a:endParaRPr lang="en-US"/>
           </a:p>
@@ -2465,7 +2552,7 @@
             <a:fld id="{A24BBA21-B6FA-C24E-9759-3735F7DAA052}" type="datetime1">
               <a:rPr lang="en-US" smtClean="0"/>
               <a:pPr/>
-              <a:t>2/19/19</a:t>
+              <a:t>4/14/20</a:t>
             </a:fld>
             <a:endParaRPr lang="en-US"/>
           </a:p>
@@ -2591,7 +2678,7 @@
             <a:fld id="{A208DD61-016E-E544-8D0E-6C417EB34521}" type="datetime1">
               <a:rPr lang="en-US" smtClean="0"/>
               <a:pPr/>
-              <a:t>2/19/19</a:t>
+              <a:t>4/14/20</a:t>
             </a:fld>
             <a:endParaRPr lang="en-US"/>
           </a:p>
@@ -2695,7 +2782,7 @@
             <a:fld id="{60D8413E-DCA1-2346-AF80-5D4D797103C0}" type="datetime1">
               <a:rPr lang="en-US" smtClean="0"/>
               <a:pPr/>
-              <a:t>2/19/19</a:t>
+              <a:t>4/14/20</a:t>
             </a:fld>
             <a:endParaRPr lang="en-US"/>
           </a:p>
@@ -2979,7 +3066,7 @@
             <a:fld id="{51AF361F-D5BC-E048-9595-281C5881E6B3}" type="datetime1">
               <a:rPr lang="en-US" smtClean="0"/>
               <a:pPr/>
-              <a:t>2/19/19</a:t>
+              <a:t>4/14/20</a:t>
             </a:fld>
             <a:endParaRPr lang="en-US"/>
           </a:p>
@@ -3243,7 +3330,7 @@
             <a:fld id="{C8332548-F664-E64B-966D-816A33A80B57}" type="datetime1">
               <a:rPr lang="en-US" smtClean="0"/>
               <a:pPr/>
-              <a:t>2/19/19</a:t>
+              <a:t>4/14/20</a:t>
             </a:fld>
             <a:endParaRPr lang="en-US"/>
           </a:p>
@@ -3508,7 +3595,7 @@
             <a:fld id="{97796E05-5980-E044-9A8E-0F7500585CCE}" type="datetime1">
               <a:rPr lang="en-US" smtClean="0"/>
               <a:pPr/>
-              <a:t>2/19/19</a:t>
+              <a:t>4/14/20</a:t>
             </a:fld>
             <a:endParaRPr lang="en-US"/>
           </a:p>
@@ -5829,6 +5916,273 @@
     <p:extLst>
       <p:ext uri="{BB962C8B-B14F-4D97-AF65-F5344CB8AC3E}">
         <p14:creationId xmlns:p14="http://schemas.microsoft.com/office/powerpoint/2010/main" val="1020500548"/>
+      </p:ext>
+    </p:extLst>
+  </p:cSld>
+  <p:clrMapOvr>
+    <a:masterClrMapping/>
+  </p:clrMapOvr>
+</p:sld>
+</file>
+
+<file path=ppt/slides/slide16.xml><?xml version="1.0" encoding="utf-8"?>
+<p:sld xmlns:a="http://schemas.openxmlformats.org/drawingml/2006/main" xmlns:r="http://schemas.openxmlformats.org/officeDocument/2006/relationships" xmlns:p="http://schemas.openxmlformats.org/presentationml/2006/main">
+  <p:cSld>
+    <p:spTree>
+      <p:nvGrpSpPr>
+        <p:cNvPr id="1" name=""/>
+        <p:cNvGrpSpPr/>
+        <p:nvPr/>
+      </p:nvGrpSpPr>
+      <p:grpSpPr>
+        <a:xfrm>
+          <a:off x="0" y="0"/>
+          <a:ext cx="0" cy="0"/>
+          <a:chOff x="0" y="0"/>
+          <a:chExt cx="0" cy="0"/>
+        </a:xfrm>
+      </p:grpSpPr>
+      <p:sp>
+        <p:nvSpPr>
+          <p:cNvPr id="2" name="Title 1"/>
+          <p:cNvSpPr>
+            <a:spLocks noGrp="1"/>
+          </p:cNvSpPr>
+          <p:nvPr>
+            <p:ph type="title"/>
+          </p:nvPr>
+        </p:nvSpPr>
+        <p:spPr/>
+        <p:txBody>
+          <a:bodyPr/>
+          <a:lstStyle/>
+          <a:p>
+            <a:r>
+              <a:rPr lang="en-US" dirty="0"/>
+              <a:t>Neurotransmitter Terms</a:t>
+            </a:r>
+          </a:p>
+        </p:txBody>
+      </p:sp>
+      <p:sp>
+        <p:nvSpPr>
+          <p:cNvPr id="3" name="Content Placeholder 2"/>
+          <p:cNvSpPr>
+            <a:spLocks noGrp="1"/>
+          </p:cNvSpPr>
+          <p:nvPr>
+            <p:ph idx="1"/>
+          </p:nvPr>
+        </p:nvSpPr>
+        <p:spPr/>
+        <p:txBody>
+          <a:bodyPr/>
+          <a:lstStyle/>
+          <a:p>
+            <a:r>
+              <a:rPr lang="en-US" b="1"/>
+              <a:t>Agonist:</a:t>
+            </a:r>
+            <a:r>
+              <a:rPr lang="en-US"/>
+              <a:t> </a:t>
+            </a:r>
+            <a:r>
+              <a:rPr lang="en-US" dirty="0"/>
+              <a:t>acts like a given neurotransmitter</a:t>
+            </a:r>
+          </a:p>
+          <a:p>
+            <a:r>
+              <a:rPr lang="en-US" b="1" dirty="0"/>
+              <a:t>Antagonist:</a:t>
+            </a:r>
+            <a:r>
+              <a:rPr lang="en-US" dirty="0"/>
+              <a:t> blocks receptors for given NT</a:t>
+            </a:r>
+          </a:p>
+          <a:p>
+            <a:r>
+              <a:rPr lang="en-US" b="1" dirty="0"/>
+              <a:t>Reuptake:</a:t>
+            </a:r>
+            <a:r>
+              <a:rPr lang="en-US" dirty="0"/>
+              <a:t> takes NT back out of synapse</a:t>
+            </a:r>
+          </a:p>
+          <a:p>
+            <a:r>
+              <a:rPr lang="en-US" b="1" dirty="0"/>
+              <a:t>Neuromodulator:</a:t>
+            </a:r>
+            <a:r>
+              <a:rPr lang="en-US" dirty="0"/>
+              <a:t> a broadly-released neurotransmitter that has widespread modulatory effects on the brain</a:t>
+            </a:r>
+          </a:p>
+        </p:txBody>
+      </p:sp>
+    </p:spTree>
+    <p:extLst>
+      <p:ext uri="{BB962C8B-B14F-4D97-AF65-F5344CB8AC3E}">
+        <p14:creationId xmlns:p14="http://schemas.microsoft.com/office/powerpoint/2010/main" val="3798636960"/>
+      </p:ext>
+    </p:extLst>
+  </p:cSld>
+  <p:clrMapOvr>
+    <a:masterClrMapping/>
+  </p:clrMapOvr>
+</p:sld>
+</file>
+
+<file path=ppt/slides/slide17.xml><?xml version="1.0" encoding="utf-8"?>
+<p:sld xmlns:a="http://schemas.openxmlformats.org/drawingml/2006/main" xmlns:r="http://schemas.openxmlformats.org/officeDocument/2006/relationships" xmlns:p="http://schemas.openxmlformats.org/presentationml/2006/main">
+  <p:cSld>
+    <p:spTree>
+      <p:nvGrpSpPr>
+        <p:cNvPr id="1" name=""/>
+        <p:cNvGrpSpPr/>
+        <p:nvPr/>
+      </p:nvGrpSpPr>
+      <p:grpSpPr>
+        <a:xfrm>
+          <a:off x="0" y="0"/>
+          <a:ext cx="0" cy="0"/>
+          <a:chOff x="0" y="0"/>
+          <a:chExt cx="0" cy="0"/>
+        </a:xfrm>
+      </p:grpSpPr>
+      <p:sp>
+        <p:nvSpPr>
+          <p:cNvPr id="2" name="Title 1"/>
+          <p:cNvSpPr>
+            <a:spLocks noGrp="1"/>
+          </p:cNvSpPr>
+          <p:nvPr>
+            <p:ph type="title"/>
+          </p:nvPr>
+        </p:nvSpPr>
+        <p:spPr/>
+        <p:txBody>
+          <a:bodyPr/>
+          <a:lstStyle/>
+          <a:p>
+            <a:r>
+              <a:rPr lang="en-US" dirty="0"/>
+              <a:t>Neuromodulators and Drugs</a:t>
+            </a:r>
+            <a:br>
+              <a:rPr lang="en-US" dirty="0"/>
+            </a:br>
+            <a:r>
+              <a:rPr lang="en-US" i="1" dirty="0"/>
+              <a:t>(receptor agonists)</a:t>
+            </a:r>
+          </a:p>
+        </p:txBody>
+      </p:sp>
+      <p:sp>
+        <p:nvSpPr>
+          <p:cNvPr id="3" name="Content Placeholder 2"/>
+          <p:cNvSpPr>
+            <a:spLocks noGrp="1"/>
+          </p:cNvSpPr>
+          <p:nvPr>
+            <p:ph idx="1"/>
+          </p:nvPr>
+        </p:nvSpPr>
+        <p:spPr/>
+        <p:txBody>
+          <a:bodyPr/>
+          <a:lstStyle/>
+          <a:p>
+            <a:r>
+              <a:rPr lang="en-US" sz="2539" b="1" dirty="0"/>
+              <a:t>Acetylcholine (</a:t>
+            </a:r>
+            <a:r>
+              <a:rPr lang="en-US" sz="2539" b="1" dirty="0" err="1"/>
+              <a:t>ACh</a:t>
+            </a:r>
+            <a:r>
+              <a:rPr lang="en-US" sz="2539" b="1" dirty="0"/>
+              <a:t>)</a:t>
+            </a:r>
+            <a:r>
+              <a:rPr lang="en-US" sz="2539" dirty="0"/>
+              <a:t>: muscles, attention, learning, memory (nicotine)</a:t>
+            </a:r>
+          </a:p>
+          <a:p>
+            <a:r>
+              <a:rPr lang="en-US" sz="2539" b="1" dirty="0"/>
+              <a:t>Dopamine (DA):</a:t>
+            </a:r>
+            <a:r>
+              <a:rPr lang="en-US" sz="2539" dirty="0"/>
+              <a:t> when to learn, based on reward prediction errors (cocaine)</a:t>
+            </a:r>
+          </a:p>
+          <a:p>
+            <a:r>
+              <a:rPr lang="en-US" sz="2539" b="1" dirty="0" err="1"/>
+              <a:t>Norephinephrine</a:t>
+            </a:r>
+            <a:r>
+              <a:rPr lang="en-US" sz="2539" b="1" dirty="0"/>
+              <a:t> (NE):</a:t>
+            </a:r>
+            <a:r>
+              <a:rPr lang="en-US" sz="2539" dirty="0"/>
+              <a:t> attention, engagement (speed)</a:t>
+            </a:r>
+          </a:p>
+          <a:p>
+            <a:r>
+              <a:rPr lang="en-US" sz="2539" b="1" dirty="0"/>
+              <a:t>Serotonin (5HT)</a:t>
+            </a:r>
+            <a:r>
+              <a:rPr lang="en-US" sz="2539" dirty="0"/>
+              <a:t>: Mood, sleep, appetite, sex, stress (SSRI, LSD = waking dream)</a:t>
+            </a:r>
+          </a:p>
+          <a:p>
+            <a:r>
+              <a:rPr lang="en-US" sz="2539" b="1" dirty="0"/>
+              <a:t>Oxytocin</a:t>
+            </a:r>
+            <a:r>
+              <a:rPr lang="en-US" sz="2539" dirty="0"/>
+              <a:t>: social modulation, labor (</a:t>
+            </a:r>
+            <a:r>
+              <a:rPr lang="en-US" sz="2539" dirty="0" err="1"/>
+              <a:t>pitocin</a:t>
+            </a:r>
+            <a:r>
+              <a:rPr lang="en-US" sz="2539" dirty="0"/>
+              <a:t>)</a:t>
+            </a:r>
+          </a:p>
+          <a:p>
+            <a:r>
+              <a:rPr lang="en-US" sz="2539" b="1" dirty="0"/>
+              <a:t>Endorphins, Substance P</a:t>
+            </a:r>
+            <a:r>
+              <a:rPr lang="en-US" sz="2539" dirty="0"/>
+              <a:t>: pain (heroin)</a:t>
+            </a:r>
+          </a:p>
+        </p:txBody>
+      </p:sp>
+    </p:spTree>
+    <p:extLst>
+      <p:ext uri="{BB962C8B-B14F-4D97-AF65-F5344CB8AC3E}">
+        <p14:creationId xmlns:p14="http://schemas.microsoft.com/office/powerpoint/2010/main" val="2503793344"/>
       </p:ext>
     </p:extLst>
   </p:cSld>

--- a/ccn/randy_slides/oreilly_ccn_brainareas.pptx
+++ b/ccn/randy_slides/oreilly_ccn_brainareas.pptx
@@ -5,10 +5,10 @@
     <p:sldMasterId id="2147483660" r:id="rId1"/>
   </p:sldMasterIdLst>
   <p:notesMasterIdLst>
-    <p:notesMasterId r:id="rId19"/>
+    <p:notesMasterId r:id="rId20"/>
   </p:notesMasterIdLst>
   <p:handoutMasterIdLst>
-    <p:handoutMasterId r:id="rId20"/>
+    <p:handoutMasterId r:id="rId21"/>
   </p:handoutMasterIdLst>
   <p:sldIdLst>
     <p:sldId id="341" r:id="rId2"/>
@@ -16,18 +16,19 @@
     <p:sldId id="269" r:id="rId4"/>
     <p:sldId id="344" r:id="rId5"/>
     <p:sldId id="306" r:id="rId6"/>
-    <p:sldId id="345" r:id="rId7"/>
-    <p:sldId id="354" r:id="rId8"/>
-    <p:sldId id="346" r:id="rId9"/>
-    <p:sldId id="347" r:id="rId10"/>
-    <p:sldId id="348" r:id="rId11"/>
-    <p:sldId id="349" r:id="rId12"/>
-    <p:sldId id="350" r:id="rId13"/>
-    <p:sldId id="351" r:id="rId14"/>
-    <p:sldId id="353" r:id="rId15"/>
-    <p:sldId id="352" r:id="rId16"/>
-    <p:sldId id="312" r:id="rId17"/>
-    <p:sldId id="313" r:id="rId18"/>
+    <p:sldId id="355" r:id="rId7"/>
+    <p:sldId id="345" r:id="rId8"/>
+    <p:sldId id="354" r:id="rId9"/>
+    <p:sldId id="346" r:id="rId10"/>
+    <p:sldId id="347" r:id="rId11"/>
+    <p:sldId id="352" r:id="rId12"/>
+    <p:sldId id="348" r:id="rId13"/>
+    <p:sldId id="349" r:id="rId14"/>
+    <p:sldId id="350" r:id="rId15"/>
+    <p:sldId id="351" r:id="rId16"/>
+    <p:sldId id="353" r:id="rId17"/>
+    <p:sldId id="312" r:id="rId18"/>
+    <p:sldId id="313" r:id="rId19"/>
   </p:sldIdLst>
   <p:sldSz cx="9144000" cy="6858000" type="screen4x3"/>
   <p:notesSz cx="6858000" cy="9144000"/>
@@ -228,7 +229,7 @@
             <a:fld id="{134E0E46-09FB-E94F-B740-AE4D5C6FE5DD}" type="datetimeFigureOut">
               <a:rPr lang="en-US" smtClean="0"/>
               <a:pPr/>
-              <a:t>4/14/20</a:t>
+              <a:t>4/30/20</a:t>
             </a:fld>
             <a:endParaRPr lang="en-US"/>
           </a:p>
@@ -396,7 +397,7 @@
             <a:fld id="{A39D9CCF-58B7-6C4F-9057-0B7282734A9C}" type="datetimeFigureOut">
               <a:rPr lang="en-US" smtClean="0"/>
               <a:pPr/>
-              <a:t>4/14/20</a:t>
+              <a:t>4/30/20</a:t>
             </a:fld>
             <a:endParaRPr lang="en-US"/>
           </a:p>
@@ -855,7 +856,7 @@
             <a:fld id="{EF5F784C-09B2-C64B-B8B7-C89AD37B13C0}" type="slidenum">
               <a:rPr lang="en-US" smtClean="0"/>
               <a:pPr/>
-              <a:t>15</a:t>
+              <a:t>11</a:t>
             </a:fld>
             <a:endParaRPr lang="en-US"/>
           </a:p>
@@ -935,7 +936,7 @@
             <a:fld id="{EF5F784C-09B2-C64B-B8B7-C89AD37B13C0}" type="slidenum">
               <a:rPr lang="en-US" smtClean="0"/>
               <a:pPr/>
-              <a:t>16</a:t>
+              <a:t>17</a:t>
             </a:fld>
             <a:endParaRPr lang="en-US"/>
           </a:p>
@@ -1084,7 +1085,7 @@
             <a:fld id="{0F43610C-CF0F-A341-95E3-9AC2B6738F38}" type="datetime1">
               <a:rPr lang="en-US" smtClean="0"/>
               <a:pPr/>
-              <a:t>4/14/20</a:t>
+              <a:t>4/30/20</a:t>
             </a:fld>
             <a:endParaRPr lang="en-US"/>
           </a:p>
@@ -1261,7 +1262,7 @@
             <a:fld id="{80722BD1-6F2E-954E-9666-DACFAE059D87}" type="datetime1">
               <a:rPr lang="en-US" smtClean="0"/>
               <a:pPr/>
-              <a:t>4/14/20</a:t>
+              <a:t>4/30/20</a:t>
             </a:fld>
             <a:endParaRPr lang="en-US"/>
           </a:p>
@@ -1448,7 +1449,7 @@
             <a:fld id="{81719E71-40F5-594A-A597-B9A1F7A8E2A0}" type="datetime1">
               <a:rPr lang="en-US" smtClean="0"/>
               <a:pPr/>
-              <a:t>4/14/20</a:t>
+              <a:t>4/30/20</a:t>
             </a:fld>
             <a:endParaRPr lang="en-US"/>
           </a:p>
@@ -1625,7 +1626,7 @@
             <a:fld id="{80E7870B-B594-BE4F-883F-5AA3BF0E980A}" type="datetime1">
               <a:rPr lang="en-US" smtClean="0"/>
               <a:pPr/>
-              <a:t>4/14/20</a:t>
+              <a:t>4/30/20</a:t>
             </a:fld>
             <a:endParaRPr lang="en-US"/>
           </a:p>
@@ -1825,7 +1826,7 @@
             <a:fld id="{4001173A-C22D-A545-AA98-51D0B584A64A}" type="datetime1">
               <a:rPr lang="en-US" smtClean="0"/>
               <a:pPr/>
-              <a:t>4/14/20</a:t>
+              <a:t>4/30/20</a:t>
             </a:fld>
             <a:endParaRPr lang="en-US"/>
           </a:p>
@@ -2119,7 +2120,7 @@
             <a:fld id="{8627B750-1BB8-F846-854F-817BE719E813}" type="datetime1">
               <a:rPr lang="en-US" smtClean="0"/>
               <a:pPr/>
-              <a:t>4/14/20</a:t>
+              <a:t>4/30/20</a:t>
             </a:fld>
             <a:endParaRPr lang="en-US"/>
           </a:p>
@@ -2552,7 +2553,7 @@
             <a:fld id="{A24BBA21-B6FA-C24E-9759-3735F7DAA052}" type="datetime1">
               <a:rPr lang="en-US" smtClean="0"/>
               <a:pPr/>
-              <a:t>4/14/20</a:t>
+              <a:t>4/30/20</a:t>
             </a:fld>
             <a:endParaRPr lang="en-US"/>
           </a:p>
@@ -2678,7 +2679,7 @@
             <a:fld id="{A208DD61-016E-E544-8D0E-6C417EB34521}" type="datetime1">
               <a:rPr lang="en-US" smtClean="0"/>
               <a:pPr/>
-              <a:t>4/14/20</a:t>
+              <a:t>4/30/20</a:t>
             </a:fld>
             <a:endParaRPr lang="en-US"/>
           </a:p>
@@ -2782,7 +2783,7 @@
             <a:fld id="{60D8413E-DCA1-2346-AF80-5D4D797103C0}" type="datetime1">
               <a:rPr lang="en-US" smtClean="0"/>
               <a:pPr/>
-              <a:t>4/14/20</a:t>
+              <a:t>4/30/20</a:t>
             </a:fld>
             <a:endParaRPr lang="en-US"/>
           </a:p>
@@ -3066,7 +3067,7 @@
             <a:fld id="{51AF361F-D5BC-E048-9595-281C5881E6B3}" type="datetime1">
               <a:rPr lang="en-US" smtClean="0"/>
               <a:pPr/>
-              <a:t>4/14/20</a:t>
+              <a:t>4/30/20</a:t>
             </a:fld>
             <a:endParaRPr lang="en-US"/>
           </a:p>
@@ -3330,7 +3331,7 @@
             <a:fld id="{C8332548-F664-E64B-966D-816A33A80B57}" type="datetime1">
               <a:rPr lang="en-US" smtClean="0"/>
               <a:pPr/>
-              <a:t>4/14/20</a:t>
+              <a:t>4/30/20</a:t>
             </a:fld>
             <a:endParaRPr lang="en-US"/>
           </a:p>
@@ -3595,7 +3596,7 @@
             <a:fld id="{97796E05-5980-E044-9A8E-0F7500585CCE}" type="datetime1">
               <a:rPr lang="en-US" smtClean="0"/>
               <a:pPr/>
-              <a:t>4/14/20</a:t>
+              <a:t>4/30/20</a:t>
             </a:fld>
             <a:endParaRPr lang="en-US"/>
           </a:p>
@@ -4399,14 +4400,14 @@
           <a:p>
             <a:r>
               <a:rPr lang="en-US" dirty="0"/>
-              <a:t>Motor Control: BG, Cerebellum</a:t>
+              <a:t>Hierarchy of Detectors..</a:t>
             </a:r>
           </a:p>
         </p:txBody>
       </p:sp>
       <p:pic>
         <p:nvPicPr>
-          <p:cNvPr id="5" name="Content Placeholder 4" descr="fig_bg_gating_science.png"/>
+          <p:cNvPr id="5" name="Content Placeholder 4" descr="fig_category_hierarch_dist_reps.png"/>
           <p:cNvPicPr>
             <a:picLocks noGrp="1" noChangeAspect="1"/>
           </p:cNvPicPr>
@@ -4422,7 +4423,7 @@
               </a:ext>
             </a:extLst>
           </a:blip>
-          <a:srcRect l="-3333" r="-3333"/>
+          <a:srcRect t="-36384" b="-36384"/>
           <a:stretch>
             <a:fillRect/>
           </a:stretch>
@@ -4456,7 +4457,7 @@
     </p:spTree>
     <p:extLst>
       <p:ext uri="{BB962C8B-B14F-4D97-AF65-F5344CB8AC3E}">
-        <p14:creationId xmlns:p14="http://schemas.microsoft.com/office/powerpoint/2010/main" val="3945766589"/>
+        <p14:creationId xmlns:p14="http://schemas.microsoft.com/office/powerpoint/2010/main" val="3812628111"/>
       </p:ext>
     </p:extLst>
   </p:cSld>
@@ -4467,455 +4468,6 @@
 </file>
 
 <file path=ppt/slides/slide11.xml><?xml version="1.0" encoding="utf-8"?>
-<p:sld xmlns:a="http://schemas.openxmlformats.org/drawingml/2006/main" xmlns:r="http://schemas.openxmlformats.org/officeDocument/2006/relationships" xmlns:p="http://schemas.openxmlformats.org/presentationml/2006/main">
-  <p:cSld>
-    <p:spTree>
-      <p:nvGrpSpPr>
-        <p:cNvPr id="1" name=""/>
-        <p:cNvGrpSpPr/>
-        <p:nvPr/>
-      </p:nvGrpSpPr>
-      <p:grpSpPr>
-        <a:xfrm>
-          <a:off x="0" y="0"/>
-          <a:ext cx="0" cy="0"/>
-          <a:chOff x="0" y="0"/>
-          <a:chExt cx="0" cy="0"/>
-        </a:xfrm>
-      </p:grpSpPr>
-      <p:sp>
-        <p:nvSpPr>
-          <p:cNvPr id="2" name="Title 1"/>
-          <p:cNvSpPr>
-            <a:spLocks noGrp="1"/>
-          </p:cNvSpPr>
-          <p:nvPr>
-            <p:ph type="title"/>
-          </p:nvPr>
-        </p:nvSpPr>
-        <p:spPr/>
-        <p:txBody>
-          <a:bodyPr/>
-          <a:lstStyle/>
-          <a:p>
-            <a:r>
-              <a:rPr lang="en-US" dirty="0"/>
-              <a:t>Memory and the Hippocampus</a:t>
-            </a:r>
-          </a:p>
-        </p:txBody>
-      </p:sp>
-      <p:pic>
-        <p:nvPicPr>
-          <p:cNvPr id="5" name="Content Placeholder 4"/>
-          <p:cNvPicPr>
-            <a:picLocks noGrp="1" noChangeAspect="1"/>
-          </p:cNvPicPr>
-          <p:nvPr>
-            <p:ph idx="1"/>
-          </p:nvPr>
-        </p:nvPicPr>
-        <p:blipFill>
-          <a:blip r:embed="rId2">
-            <a:extLst>
-              <a:ext uri="{28A0092B-C50C-407E-A947-70E740481C1C}">
-                <a14:useLocalDpi xmlns:a14="http://schemas.microsoft.com/office/drawing/2010/main" val="0"/>
-              </a:ext>
-            </a:extLst>
-          </a:blip>
-          <a:stretch>
-            <a:fillRect/>
-          </a:stretch>
-        </p:blipFill>
-        <p:spPr>
-          <a:xfrm>
-            <a:off x="456627" y="1744840"/>
-            <a:ext cx="8227871" cy="4245006"/>
-          </a:xfrm>
-        </p:spPr>
-      </p:pic>
-      <p:sp>
-        <p:nvSpPr>
-          <p:cNvPr id="4" name="Slide Number Placeholder 3"/>
-          <p:cNvSpPr>
-            <a:spLocks noGrp="1"/>
-          </p:cNvSpPr>
-          <p:nvPr>
-            <p:ph type="sldNum" idx="12"/>
-          </p:nvPr>
-        </p:nvSpPr>
-        <p:spPr/>
-        <p:txBody>
-          <a:bodyPr/>
-          <a:lstStyle/>
-          <a:p>
-            <a:fld id="{5689AE7F-56EB-8D49-9914-836A4F709789}" type="slidenum">
-              <a:rPr lang="en-US" smtClean="0"/>
-              <a:pPr/>
-              <a:t>11</a:t>
-            </a:fld>
-            <a:endParaRPr lang="en-US"/>
-          </a:p>
-        </p:txBody>
-      </p:sp>
-    </p:spTree>
-    <p:extLst>
-      <p:ext uri="{BB962C8B-B14F-4D97-AF65-F5344CB8AC3E}">
-        <p14:creationId xmlns:p14="http://schemas.microsoft.com/office/powerpoint/2010/main" val="1566797471"/>
-      </p:ext>
-    </p:extLst>
-  </p:cSld>
-  <p:clrMapOvr>
-    <a:masterClrMapping/>
-  </p:clrMapOvr>
-</p:sld>
-</file>
-
-<file path=ppt/slides/slide12.xml><?xml version="1.0" encoding="utf-8"?>
-<p:sld xmlns:a="http://schemas.openxmlformats.org/drawingml/2006/main" xmlns:r="http://schemas.openxmlformats.org/officeDocument/2006/relationships" xmlns:p="http://schemas.openxmlformats.org/presentationml/2006/main">
-  <p:cSld>
-    <p:spTree>
-      <p:nvGrpSpPr>
-        <p:cNvPr id="1" name=""/>
-        <p:cNvGrpSpPr/>
-        <p:nvPr/>
-      </p:nvGrpSpPr>
-      <p:grpSpPr>
-        <a:xfrm>
-          <a:off x="0" y="0"/>
-          <a:ext cx="0" cy="0"/>
-          <a:chOff x="0" y="0"/>
-          <a:chExt cx="0" cy="0"/>
-        </a:xfrm>
-      </p:grpSpPr>
-      <p:sp>
-        <p:nvSpPr>
-          <p:cNvPr id="2" name="Title 1"/>
-          <p:cNvSpPr>
-            <a:spLocks noGrp="1"/>
-          </p:cNvSpPr>
-          <p:nvPr>
-            <p:ph type="title"/>
-          </p:nvPr>
-        </p:nvSpPr>
-        <p:spPr>
-          <a:xfrm>
-            <a:off x="456627" y="273514"/>
-            <a:ext cx="8227871" cy="869486"/>
-          </a:xfrm>
-        </p:spPr>
-        <p:txBody>
-          <a:bodyPr/>
-          <a:lstStyle/>
-          <a:p>
-            <a:r>
-              <a:rPr lang="en-US" dirty="0"/>
-              <a:t>Language</a:t>
-            </a:r>
-          </a:p>
-        </p:txBody>
-      </p:sp>
-      <p:sp>
-        <p:nvSpPr>
-          <p:cNvPr id="3" name="Content Placeholder 2"/>
-          <p:cNvSpPr>
-            <a:spLocks noGrp="1"/>
-          </p:cNvSpPr>
-          <p:nvPr>
-            <p:ph idx="1"/>
-          </p:nvPr>
-        </p:nvSpPr>
-        <p:spPr>
-          <a:xfrm>
-            <a:off x="456627" y="5452041"/>
-            <a:ext cx="8227871" cy="643959"/>
-          </a:xfrm>
-        </p:spPr>
-        <p:txBody>
-          <a:bodyPr/>
-          <a:lstStyle/>
-          <a:p>
-            <a:r>
-              <a:rPr lang="en-US" dirty="0"/>
-              <a:t>Lots of areas working together..</a:t>
-            </a:r>
-          </a:p>
-        </p:txBody>
-      </p:sp>
-      <p:sp>
-        <p:nvSpPr>
-          <p:cNvPr id="4" name="Slide Number Placeholder 3"/>
-          <p:cNvSpPr>
-            <a:spLocks noGrp="1"/>
-          </p:cNvSpPr>
-          <p:nvPr>
-            <p:ph type="sldNum" idx="12"/>
-          </p:nvPr>
-        </p:nvSpPr>
-        <p:spPr/>
-        <p:txBody>
-          <a:bodyPr/>
-          <a:lstStyle/>
-          <a:p>
-            <a:fld id="{5689AE7F-56EB-8D49-9914-836A4F709789}" type="slidenum">
-              <a:rPr lang="en-US" smtClean="0"/>
-              <a:pPr/>
-              <a:t>12</a:t>
-            </a:fld>
-            <a:endParaRPr lang="en-US"/>
-          </a:p>
-        </p:txBody>
-      </p:sp>
-      <p:pic>
-        <p:nvPicPr>
-          <p:cNvPr id="5" name="Picture 4" descr="fig_distrib_sem.png"/>
-          <p:cNvPicPr>
-            <a:picLocks noChangeAspect="1"/>
-          </p:cNvPicPr>
-          <p:nvPr/>
-        </p:nvPicPr>
-        <p:blipFill>
-          <a:blip r:embed="rId2">
-            <a:extLst>
-              <a:ext uri="{28A0092B-C50C-407E-A947-70E740481C1C}">
-                <a14:useLocalDpi xmlns:a14="http://schemas.microsoft.com/office/drawing/2010/main" val="0"/>
-              </a:ext>
-            </a:extLst>
-          </a:blip>
-          <a:stretch>
-            <a:fillRect/>
-          </a:stretch>
-        </p:blipFill>
-        <p:spPr>
-          <a:xfrm>
-            <a:off x="2133600" y="1240885"/>
-            <a:ext cx="4829700" cy="4142508"/>
-          </a:xfrm>
-          <a:prstGeom prst="rect">
-            <a:avLst/>
-          </a:prstGeom>
-        </p:spPr>
-      </p:pic>
-    </p:spTree>
-    <p:extLst>
-      <p:ext uri="{BB962C8B-B14F-4D97-AF65-F5344CB8AC3E}">
-        <p14:creationId xmlns:p14="http://schemas.microsoft.com/office/powerpoint/2010/main" val="1464546651"/>
-      </p:ext>
-    </p:extLst>
-  </p:cSld>
-  <p:clrMapOvr>
-    <a:masterClrMapping/>
-  </p:clrMapOvr>
-</p:sld>
-</file>
-
-<file path=ppt/slides/slide13.xml><?xml version="1.0" encoding="utf-8"?>
-<p:sld xmlns:a="http://schemas.openxmlformats.org/drawingml/2006/main" xmlns:r="http://schemas.openxmlformats.org/officeDocument/2006/relationships" xmlns:p="http://schemas.openxmlformats.org/presentationml/2006/main">
-  <p:cSld>
-    <p:spTree>
-      <p:nvGrpSpPr>
-        <p:cNvPr id="1" name=""/>
-        <p:cNvGrpSpPr/>
-        <p:nvPr/>
-      </p:nvGrpSpPr>
-      <p:grpSpPr>
-        <a:xfrm>
-          <a:off x="0" y="0"/>
-          <a:ext cx="0" cy="0"/>
-          <a:chOff x="0" y="0"/>
-          <a:chExt cx="0" cy="0"/>
-        </a:xfrm>
-      </p:grpSpPr>
-      <p:sp>
-        <p:nvSpPr>
-          <p:cNvPr id="2" name="Title 1"/>
-          <p:cNvSpPr>
-            <a:spLocks noGrp="1"/>
-          </p:cNvSpPr>
-          <p:nvPr>
-            <p:ph type="title"/>
-          </p:nvPr>
-        </p:nvSpPr>
-        <p:spPr/>
-        <p:txBody>
-          <a:bodyPr/>
-          <a:lstStyle/>
-          <a:p>
-            <a:r>
-              <a:rPr lang="en-US" dirty="0"/>
-              <a:t>Executive Function</a:t>
-            </a:r>
-          </a:p>
-        </p:txBody>
-      </p:sp>
-      <p:pic>
-        <p:nvPicPr>
-          <p:cNvPr id="5" name="Content Placeholder 4" descr="fig_cortical_fun_org_tins.png"/>
-          <p:cNvPicPr>
-            <a:picLocks noGrp="1" noChangeAspect="1"/>
-          </p:cNvPicPr>
-          <p:nvPr>
-            <p:ph idx="1"/>
-          </p:nvPr>
-        </p:nvPicPr>
-        <p:blipFill>
-          <a:blip r:embed="rId2">
-            <a:extLst>
-              <a:ext uri="{28A0092B-C50C-407E-A947-70E740481C1C}">
-                <a14:useLocalDpi xmlns:a14="http://schemas.microsoft.com/office/drawing/2010/main" val="0"/>
-              </a:ext>
-            </a:extLst>
-          </a:blip>
-          <a:srcRect t="-5778" b="-5778"/>
-          <a:stretch>
-            <a:fillRect/>
-          </a:stretch>
-        </p:blipFill>
-        <p:spPr/>
-      </p:pic>
-      <p:sp>
-        <p:nvSpPr>
-          <p:cNvPr id="4" name="Slide Number Placeholder 3"/>
-          <p:cNvSpPr>
-            <a:spLocks noGrp="1"/>
-          </p:cNvSpPr>
-          <p:nvPr>
-            <p:ph type="sldNum" idx="12"/>
-          </p:nvPr>
-        </p:nvSpPr>
-        <p:spPr/>
-        <p:txBody>
-          <a:bodyPr/>
-          <a:lstStyle/>
-          <a:p>
-            <a:fld id="{5689AE7F-56EB-8D49-9914-836A4F709789}" type="slidenum">
-              <a:rPr lang="en-US" smtClean="0"/>
-              <a:pPr/>
-              <a:t>13</a:t>
-            </a:fld>
-            <a:endParaRPr lang="en-US"/>
-          </a:p>
-        </p:txBody>
-      </p:sp>
-    </p:spTree>
-    <p:extLst>
-      <p:ext uri="{BB962C8B-B14F-4D97-AF65-F5344CB8AC3E}">
-        <p14:creationId xmlns:p14="http://schemas.microsoft.com/office/powerpoint/2010/main" val="3209201599"/>
-      </p:ext>
-    </p:extLst>
-  </p:cSld>
-  <p:clrMapOvr>
-    <a:masterClrMapping/>
-  </p:clrMapOvr>
-</p:sld>
-</file>
-
-<file path=ppt/slides/slide14.xml><?xml version="1.0" encoding="utf-8"?>
-<p:sld xmlns:a="http://schemas.openxmlformats.org/drawingml/2006/main" xmlns:r="http://schemas.openxmlformats.org/officeDocument/2006/relationships" xmlns:p="http://schemas.openxmlformats.org/presentationml/2006/main">
-  <p:cSld>
-    <p:spTree>
-      <p:nvGrpSpPr>
-        <p:cNvPr id="1" name=""/>
-        <p:cNvGrpSpPr/>
-        <p:nvPr/>
-      </p:nvGrpSpPr>
-      <p:grpSpPr>
-        <a:xfrm>
-          <a:off x="0" y="0"/>
-          <a:ext cx="0" cy="0"/>
-          <a:chOff x="0" y="0"/>
-          <a:chExt cx="0" cy="0"/>
-        </a:xfrm>
-      </p:grpSpPr>
-      <p:sp>
-        <p:nvSpPr>
-          <p:cNvPr id="2" name="Title 1"/>
-          <p:cNvSpPr>
-            <a:spLocks noGrp="1"/>
-          </p:cNvSpPr>
-          <p:nvPr>
-            <p:ph type="title"/>
-          </p:nvPr>
-        </p:nvSpPr>
-        <p:spPr/>
-        <p:txBody>
-          <a:bodyPr/>
-          <a:lstStyle/>
-          <a:p>
-            <a:r>
-              <a:rPr lang="en-US" dirty="0"/>
-              <a:t>Medial Frontal Map of Values</a:t>
-            </a:r>
-          </a:p>
-        </p:txBody>
-      </p:sp>
-      <p:pic>
-        <p:nvPicPr>
-          <p:cNvPr id="5" name="Content Placeholder 4"/>
-          <p:cNvPicPr>
-            <a:picLocks noGrp="1" noChangeAspect="1"/>
-          </p:cNvPicPr>
-          <p:nvPr>
-            <p:ph idx="1"/>
-          </p:nvPr>
-        </p:nvPicPr>
-        <p:blipFill>
-          <a:blip r:embed="rId2">
-            <a:extLst>
-              <a:ext uri="{28A0092B-C50C-407E-A947-70E740481C1C}">
-                <a14:useLocalDpi xmlns:a14="http://schemas.microsoft.com/office/drawing/2010/main" val="0"/>
-              </a:ext>
-            </a:extLst>
-          </a:blip>
-          <a:stretch>
-            <a:fillRect/>
-          </a:stretch>
-        </p:blipFill>
-        <p:spPr>
-          <a:xfrm>
-            <a:off x="2568682" y="1605097"/>
-            <a:ext cx="4003760" cy="4524495"/>
-          </a:xfrm>
-        </p:spPr>
-      </p:pic>
-      <p:sp>
-        <p:nvSpPr>
-          <p:cNvPr id="4" name="Slide Number Placeholder 3"/>
-          <p:cNvSpPr>
-            <a:spLocks noGrp="1"/>
-          </p:cNvSpPr>
-          <p:nvPr>
-            <p:ph type="sldNum" idx="12"/>
-          </p:nvPr>
-        </p:nvSpPr>
-        <p:spPr/>
-        <p:txBody>
-          <a:bodyPr/>
-          <a:lstStyle/>
-          <a:p>
-            <a:fld id="{5689AE7F-56EB-8D49-9914-836A4F709789}" type="slidenum">
-              <a:rPr lang="en-US" smtClean="0"/>
-              <a:pPr/>
-              <a:t>14</a:t>
-            </a:fld>
-            <a:endParaRPr lang="en-US"/>
-          </a:p>
-        </p:txBody>
-      </p:sp>
-    </p:spTree>
-    <p:extLst>
-      <p:ext uri="{BB962C8B-B14F-4D97-AF65-F5344CB8AC3E}">
-        <p14:creationId xmlns:p14="http://schemas.microsoft.com/office/powerpoint/2010/main" val="1660307585"/>
-      </p:ext>
-    </p:extLst>
-  </p:cSld>
-  <p:clrMapOvr>
-    <a:masterClrMapping/>
-  </p:clrMapOvr>
-</p:sld>
-</file>
-
-<file path=ppt/slides/slide15.xml><?xml version="1.0" encoding="utf-8"?>
 <p:sld xmlns:a="http://schemas.openxmlformats.org/drawingml/2006/main" xmlns:r="http://schemas.openxmlformats.org/officeDocument/2006/relationships" xmlns:p="http://schemas.openxmlformats.org/presentationml/2006/main">
   <p:cSld>
     <p:spTree>
@@ -5760,7 +5312,7 @@
             <a:fld id="{5689AE7F-56EB-8D49-9914-836A4F709789}" type="slidenum">
               <a:rPr lang="en-US" smtClean="0"/>
               <a:pPr/>
-              <a:t>15</a:t>
+              <a:t>11</a:t>
             </a:fld>
             <a:endParaRPr lang="en-US"/>
           </a:p>
@@ -5916,6 +5468,451 @@
     <p:extLst>
       <p:ext uri="{BB962C8B-B14F-4D97-AF65-F5344CB8AC3E}">
         <p14:creationId xmlns:p14="http://schemas.microsoft.com/office/powerpoint/2010/main" val="1020500548"/>
+      </p:ext>
+    </p:extLst>
+  </p:cSld>
+  <p:clrMapOvr>
+    <a:masterClrMapping/>
+  </p:clrMapOvr>
+</p:sld>
+</file>
+
+<file path=ppt/slides/slide12.xml><?xml version="1.0" encoding="utf-8"?>
+<p:sld xmlns:a="http://schemas.openxmlformats.org/drawingml/2006/main" xmlns:r="http://schemas.openxmlformats.org/officeDocument/2006/relationships" xmlns:p="http://schemas.openxmlformats.org/presentationml/2006/main">
+  <p:cSld>
+    <p:spTree>
+      <p:nvGrpSpPr>
+        <p:cNvPr id="1" name=""/>
+        <p:cNvGrpSpPr/>
+        <p:nvPr/>
+      </p:nvGrpSpPr>
+      <p:grpSpPr>
+        <a:xfrm>
+          <a:off x="0" y="0"/>
+          <a:ext cx="0" cy="0"/>
+          <a:chOff x="0" y="0"/>
+          <a:chExt cx="0" cy="0"/>
+        </a:xfrm>
+      </p:grpSpPr>
+      <p:sp>
+        <p:nvSpPr>
+          <p:cNvPr id="2" name="Title 1"/>
+          <p:cNvSpPr>
+            <a:spLocks noGrp="1"/>
+          </p:cNvSpPr>
+          <p:nvPr>
+            <p:ph type="title"/>
+          </p:nvPr>
+        </p:nvSpPr>
+        <p:spPr/>
+        <p:txBody>
+          <a:bodyPr/>
+          <a:lstStyle/>
+          <a:p>
+            <a:r>
+              <a:rPr lang="en-US" dirty="0"/>
+              <a:t>Motor Control: BG, Cerebellum</a:t>
+            </a:r>
+          </a:p>
+        </p:txBody>
+      </p:sp>
+      <p:pic>
+        <p:nvPicPr>
+          <p:cNvPr id="5" name="Content Placeholder 4" descr="fig_bg_gating_science.png"/>
+          <p:cNvPicPr>
+            <a:picLocks noGrp="1" noChangeAspect="1"/>
+          </p:cNvPicPr>
+          <p:nvPr>
+            <p:ph idx="1"/>
+          </p:nvPr>
+        </p:nvPicPr>
+        <p:blipFill>
+          <a:blip r:embed="rId2">
+            <a:extLst>
+              <a:ext uri="{28A0092B-C50C-407E-A947-70E740481C1C}">
+                <a14:useLocalDpi xmlns:a14="http://schemas.microsoft.com/office/drawing/2010/main" val="0"/>
+              </a:ext>
+            </a:extLst>
+          </a:blip>
+          <a:srcRect l="-3333" r="-3333"/>
+          <a:stretch>
+            <a:fillRect/>
+          </a:stretch>
+        </p:blipFill>
+        <p:spPr/>
+      </p:pic>
+      <p:sp>
+        <p:nvSpPr>
+          <p:cNvPr id="4" name="Slide Number Placeholder 3"/>
+          <p:cNvSpPr>
+            <a:spLocks noGrp="1"/>
+          </p:cNvSpPr>
+          <p:nvPr>
+            <p:ph type="sldNum" idx="12"/>
+          </p:nvPr>
+        </p:nvSpPr>
+        <p:spPr/>
+        <p:txBody>
+          <a:bodyPr/>
+          <a:lstStyle/>
+          <a:p>
+            <a:fld id="{5689AE7F-56EB-8D49-9914-836A4F709789}" type="slidenum">
+              <a:rPr lang="en-US" smtClean="0"/>
+              <a:pPr/>
+              <a:t>12</a:t>
+            </a:fld>
+            <a:endParaRPr lang="en-US"/>
+          </a:p>
+        </p:txBody>
+      </p:sp>
+    </p:spTree>
+    <p:extLst>
+      <p:ext uri="{BB962C8B-B14F-4D97-AF65-F5344CB8AC3E}">
+        <p14:creationId xmlns:p14="http://schemas.microsoft.com/office/powerpoint/2010/main" val="3945766589"/>
+      </p:ext>
+    </p:extLst>
+  </p:cSld>
+  <p:clrMapOvr>
+    <a:masterClrMapping/>
+  </p:clrMapOvr>
+</p:sld>
+</file>
+
+<file path=ppt/slides/slide13.xml><?xml version="1.0" encoding="utf-8"?>
+<p:sld xmlns:a="http://schemas.openxmlformats.org/drawingml/2006/main" xmlns:r="http://schemas.openxmlformats.org/officeDocument/2006/relationships" xmlns:p="http://schemas.openxmlformats.org/presentationml/2006/main">
+  <p:cSld>
+    <p:spTree>
+      <p:nvGrpSpPr>
+        <p:cNvPr id="1" name=""/>
+        <p:cNvGrpSpPr/>
+        <p:nvPr/>
+      </p:nvGrpSpPr>
+      <p:grpSpPr>
+        <a:xfrm>
+          <a:off x="0" y="0"/>
+          <a:ext cx="0" cy="0"/>
+          <a:chOff x="0" y="0"/>
+          <a:chExt cx="0" cy="0"/>
+        </a:xfrm>
+      </p:grpSpPr>
+      <p:sp>
+        <p:nvSpPr>
+          <p:cNvPr id="2" name="Title 1"/>
+          <p:cNvSpPr>
+            <a:spLocks noGrp="1"/>
+          </p:cNvSpPr>
+          <p:nvPr>
+            <p:ph type="title"/>
+          </p:nvPr>
+        </p:nvSpPr>
+        <p:spPr/>
+        <p:txBody>
+          <a:bodyPr/>
+          <a:lstStyle/>
+          <a:p>
+            <a:r>
+              <a:rPr lang="en-US" dirty="0"/>
+              <a:t>Memory and the Hippocampus</a:t>
+            </a:r>
+          </a:p>
+        </p:txBody>
+      </p:sp>
+      <p:pic>
+        <p:nvPicPr>
+          <p:cNvPr id="5" name="Content Placeholder 4"/>
+          <p:cNvPicPr>
+            <a:picLocks noGrp="1" noChangeAspect="1"/>
+          </p:cNvPicPr>
+          <p:nvPr>
+            <p:ph idx="1"/>
+          </p:nvPr>
+        </p:nvPicPr>
+        <p:blipFill>
+          <a:blip r:embed="rId2">
+            <a:extLst>
+              <a:ext uri="{28A0092B-C50C-407E-A947-70E740481C1C}">
+                <a14:useLocalDpi xmlns:a14="http://schemas.microsoft.com/office/drawing/2010/main" val="0"/>
+              </a:ext>
+            </a:extLst>
+          </a:blip>
+          <a:stretch>
+            <a:fillRect/>
+          </a:stretch>
+        </p:blipFill>
+        <p:spPr>
+          <a:xfrm>
+            <a:off x="456627" y="1744840"/>
+            <a:ext cx="8227871" cy="4245006"/>
+          </a:xfrm>
+        </p:spPr>
+      </p:pic>
+      <p:sp>
+        <p:nvSpPr>
+          <p:cNvPr id="4" name="Slide Number Placeholder 3"/>
+          <p:cNvSpPr>
+            <a:spLocks noGrp="1"/>
+          </p:cNvSpPr>
+          <p:nvPr>
+            <p:ph type="sldNum" idx="12"/>
+          </p:nvPr>
+        </p:nvSpPr>
+        <p:spPr/>
+        <p:txBody>
+          <a:bodyPr/>
+          <a:lstStyle/>
+          <a:p>
+            <a:fld id="{5689AE7F-56EB-8D49-9914-836A4F709789}" type="slidenum">
+              <a:rPr lang="en-US" smtClean="0"/>
+              <a:pPr/>
+              <a:t>13</a:t>
+            </a:fld>
+            <a:endParaRPr lang="en-US"/>
+          </a:p>
+        </p:txBody>
+      </p:sp>
+    </p:spTree>
+    <p:extLst>
+      <p:ext uri="{BB962C8B-B14F-4D97-AF65-F5344CB8AC3E}">
+        <p14:creationId xmlns:p14="http://schemas.microsoft.com/office/powerpoint/2010/main" val="1566797471"/>
+      </p:ext>
+    </p:extLst>
+  </p:cSld>
+  <p:clrMapOvr>
+    <a:masterClrMapping/>
+  </p:clrMapOvr>
+</p:sld>
+</file>
+
+<file path=ppt/slides/slide14.xml><?xml version="1.0" encoding="utf-8"?>
+<p:sld xmlns:a="http://schemas.openxmlformats.org/drawingml/2006/main" xmlns:r="http://schemas.openxmlformats.org/officeDocument/2006/relationships" xmlns:p="http://schemas.openxmlformats.org/presentationml/2006/main">
+  <p:cSld>
+    <p:spTree>
+      <p:nvGrpSpPr>
+        <p:cNvPr id="1" name=""/>
+        <p:cNvGrpSpPr/>
+        <p:nvPr/>
+      </p:nvGrpSpPr>
+      <p:grpSpPr>
+        <a:xfrm>
+          <a:off x="0" y="0"/>
+          <a:ext cx="0" cy="0"/>
+          <a:chOff x="0" y="0"/>
+          <a:chExt cx="0" cy="0"/>
+        </a:xfrm>
+      </p:grpSpPr>
+      <p:sp>
+        <p:nvSpPr>
+          <p:cNvPr id="2" name="Title 1"/>
+          <p:cNvSpPr>
+            <a:spLocks noGrp="1"/>
+          </p:cNvSpPr>
+          <p:nvPr>
+            <p:ph type="title"/>
+          </p:nvPr>
+        </p:nvSpPr>
+        <p:spPr>
+          <a:xfrm>
+            <a:off x="456627" y="273514"/>
+            <a:ext cx="8227871" cy="869486"/>
+          </a:xfrm>
+        </p:spPr>
+        <p:txBody>
+          <a:bodyPr/>
+          <a:lstStyle/>
+          <a:p>
+            <a:r>
+              <a:rPr lang="en-US" dirty="0"/>
+              <a:t>Language</a:t>
+            </a:r>
+          </a:p>
+        </p:txBody>
+      </p:sp>
+      <p:sp>
+        <p:nvSpPr>
+          <p:cNvPr id="3" name="Content Placeholder 2"/>
+          <p:cNvSpPr>
+            <a:spLocks noGrp="1"/>
+          </p:cNvSpPr>
+          <p:nvPr>
+            <p:ph idx="1"/>
+          </p:nvPr>
+        </p:nvSpPr>
+        <p:spPr>
+          <a:xfrm>
+            <a:off x="456627" y="5452041"/>
+            <a:ext cx="8227871" cy="643959"/>
+          </a:xfrm>
+        </p:spPr>
+        <p:txBody>
+          <a:bodyPr/>
+          <a:lstStyle/>
+          <a:p>
+            <a:r>
+              <a:rPr lang="en-US" dirty="0"/>
+              <a:t>Lots of areas working together..</a:t>
+            </a:r>
+          </a:p>
+        </p:txBody>
+      </p:sp>
+      <p:sp>
+        <p:nvSpPr>
+          <p:cNvPr id="4" name="Slide Number Placeholder 3"/>
+          <p:cNvSpPr>
+            <a:spLocks noGrp="1"/>
+          </p:cNvSpPr>
+          <p:nvPr>
+            <p:ph type="sldNum" idx="12"/>
+          </p:nvPr>
+        </p:nvSpPr>
+        <p:spPr/>
+        <p:txBody>
+          <a:bodyPr/>
+          <a:lstStyle/>
+          <a:p>
+            <a:fld id="{5689AE7F-56EB-8D49-9914-836A4F709789}" type="slidenum">
+              <a:rPr lang="en-US" smtClean="0"/>
+              <a:pPr/>
+              <a:t>14</a:t>
+            </a:fld>
+            <a:endParaRPr lang="en-US"/>
+          </a:p>
+        </p:txBody>
+      </p:sp>
+      <p:pic>
+        <p:nvPicPr>
+          <p:cNvPr id="5" name="Picture 4" descr="fig_distrib_sem.png"/>
+          <p:cNvPicPr>
+            <a:picLocks noChangeAspect="1"/>
+          </p:cNvPicPr>
+          <p:nvPr/>
+        </p:nvPicPr>
+        <p:blipFill>
+          <a:blip r:embed="rId2">
+            <a:extLst>
+              <a:ext uri="{28A0092B-C50C-407E-A947-70E740481C1C}">
+                <a14:useLocalDpi xmlns:a14="http://schemas.microsoft.com/office/drawing/2010/main" val="0"/>
+              </a:ext>
+            </a:extLst>
+          </a:blip>
+          <a:stretch>
+            <a:fillRect/>
+          </a:stretch>
+        </p:blipFill>
+        <p:spPr>
+          <a:xfrm>
+            <a:off x="2133600" y="1240885"/>
+            <a:ext cx="4829700" cy="4142508"/>
+          </a:xfrm>
+          <a:prstGeom prst="rect">
+            <a:avLst/>
+          </a:prstGeom>
+        </p:spPr>
+      </p:pic>
+    </p:spTree>
+    <p:extLst>
+      <p:ext uri="{BB962C8B-B14F-4D97-AF65-F5344CB8AC3E}">
+        <p14:creationId xmlns:p14="http://schemas.microsoft.com/office/powerpoint/2010/main" val="1464546651"/>
+      </p:ext>
+    </p:extLst>
+  </p:cSld>
+  <p:clrMapOvr>
+    <a:masterClrMapping/>
+  </p:clrMapOvr>
+</p:sld>
+</file>
+
+<file path=ppt/slides/slide15.xml><?xml version="1.0" encoding="utf-8"?>
+<p:sld xmlns:a="http://schemas.openxmlformats.org/drawingml/2006/main" xmlns:r="http://schemas.openxmlformats.org/officeDocument/2006/relationships" xmlns:p="http://schemas.openxmlformats.org/presentationml/2006/main">
+  <p:cSld>
+    <p:spTree>
+      <p:nvGrpSpPr>
+        <p:cNvPr id="1" name=""/>
+        <p:cNvGrpSpPr/>
+        <p:nvPr/>
+      </p:nvGrpSpPr>
+      <p:grpSpPr>
+        <a:xfrm>
+          <a:off x="0" y="0"/>
+          <a:ext cx="0" cy="0"/>
+          <a:chOff x="0" y="0"/>
+          <a:chExt cx="0" cy="0"/>
+        </a:xfrm>
+      </p:grpSpPr>
+      <p:sp>
+        <p:nvSpPr>
+          <p:cNvPr id="2" name="Title 1"/>
+          <p:cNvSpPr>
+            <a:spLocks noGrp="1"/>
+          </p:cNvSpPr>
+          <p:nvPr>
+            <p:ph type="title"/>
+          </p:nvPr>
+        </p:nvSpPr>
+        <p:spPr/>
+        <p:txBody>
+          <a:bodyPr/>
+          <a:lstStyle/>
+          <a:p>
+            <a:r>
+              <a:rPr lang="en-US" dirty="0"/>
+              <a:t>Executive Function</a:t>
+            </a:r>
+          </a:p>
+        </p:txBody>
+      </p:sp>
+      <p:pic>
+        <p:nvPicPr>
+          <p:cNvPr id="5" name="Content Placeholder 4" descr="fig_cortical_fun_org_tins.png"/>
+          <p:cNvPicPr>
+            <a:picLocks noGrp="1" noChangeAspect="1"/>
+          </p:cNvPicPr>
+          <p:nvPr>
+            <p:ph idx="1"/>
+          </p:nvPr>
+        </p:nvPicPr>
+        <p:blipFill>
+          <a:blip r:embed="rId2">
+            <a:extLst>
+              <a:ext uri="{28A0092B-C50C-407E-A947-70E740481C1C}">
+                <a14:useLocalDpi xmlns:a14="http://schemas.microsoft.com/office/drawing/2010/main" val="0"/>
+              </a:ext>
+            </a:extLst>
+          </a:blip>
+          <a:srcRect t="-5778" b="-5778"/>
+          <a:stretch>
+            <a:fillRect/>
+          </a:stretch>
+        </p:blipFill>
+        <p:spPr/>
+      </p:pic>
+      <p:sp>
+        <p:nvSpPr>
+          <p:cNvPr id="4" name="Slide Number Placeholder 3"/>
+          <p:cNvSpPr>
+            <a:spLocks noGrp="1"/>
+          </p:cNvSpPr>
+          <p:nvPr>
+            <p:ph type="sldNum" idx="12"/>
+          </p:nvPr>
+        </p:nvSpPr>
+        <p:spPr/>
+        <p:txBody>
+          <a:bodyPr/>
+          <a:lstStyle/>
+          <a:p>
+            <a:fld id="{5689AE7F-56EB-8D49-9914-836A4F709789}" type="slidenum">
+              <a:rPr lang="en-US" smtClean="0"/>
+              <a:pPr/>
+              <a:t>15</a:t>
+            </a:fld>
+            <a:endParaRPr lang="en-US"/>
+          </a:p>
+        </p:txBody>
+      </p:sp>
+    </p:spTree>
+    <p:extLst>
+      <p:ext uri="{BB962C8B-B14F-4D97-AF65-F5344CB8AC3E}">
+        <p14:creationId xmlns:p14="http://schemas.microsoft.com/office/powerpoint/2010/main" val="3209201599"/>
       </p:ext>
     </p:extLst>
   </p:cSld>
@@ -5959,6 +5956,111 @@
           <a:p>
             <a:r>
               <a:rPr lang="en-US" dirty="0"/>
+              <a:t>Medial Frontal Map of Values</a:t>
+            </a:r>
+          </a:p>
+        </p:txBody>
+      </p:sp>
+      <p:pic>
+        <p:nvPicPr>
+          <p:cNvPr id="5" name="Content Placeholder 4"/>
+          <p:cNvPicPr>
+            <a:picLocks noGrp="1" noChangeAspect="1"/>
+          </p:cNvPicPr>
+          <p:nvPr>
+            <p:ph idx="1"/>
+          </p:nvPr>
+        </p:nvPicPr>
+        <p:blipFill>
+          <a:blip r:embed="rId2">
+            <a:extLst>
+              <a:ext uri="{28A0092B-C50C-407E-A947-70E740481C1C}">
+                <a14:useLocalDpi xmlns:a14="http://schemas.microsoft.com/office/drawing/2010/main" val="0"/>
+              </a:ext>
+            </a:extLst>
+          </a:blip>
+          <a:stretch>
+            <a:fillRect/>
+          </a:stretch>
+        </p:blipFill>
+        <p:spPr>
+          <a:xfrm>
+            <a:off x="2568682" y="1605097"/>
+            <a:ext cx="4003760" cy="4524495"/>
+          </a:xfrm>
+        </p:spPr>
+      </p:pic>
+      <p:sp>
+        <p:nvSpPr>
+          <p:cNvPr id="4" name="Slide Number Placeholder 3"/>
+          <p:cNvSpPr>
+            <a:spLocks noGrp="1"/>
+          </p:cNvSpPr>
+          <p:nvPr>
+            <p:ph type="sldNum" idx="12"/>
+          </p:nvPr>
+        </p:nvSpPr>
+        <p:spPr/>
+        <p:txBody>
+          <a:bodyPr/>
+          <a:lstStyle/>
+          <a:p>
+            <a:fld id="{5689AE7F-56EB-8D49-9914-836A4F709789}" type="slidenum">
+              <a:rPr lang="en-US" smtClean="0"/>
+              <a:pPr/>
+              <a:t>16</a:t>
+            </a:fld>
+            <a:endParaRPr lang="en-US"/>
+          </a:p>
+        </p:txBody>
+      </p:sp>
+    </p:spTree>
+    <p:extLst>
+      <p:ext uri="{BB962C8B-B14F-4D97-AF65-F5344CB8AC3E}">
+        <p14:creationId xmlns:p14="http://schemas.microsoft.com/office/powerpoint/2010/main" val="1660307585"/>
+      </p:ext>
+    </p:extLst>
+  </p:cSld>
+  <p:clrMapOvr>
+    <a:masterClrMapping/>
+  </p:clrMapOvr>
+</p:sld>
+</file>
+
+<file path=ppt/slides/slide17.xml><?xml version="1.0" encoding="utf-8"?>
+<p:sld xmlns:a="http://schemas.openxmlformats.org/drawingml/2006/main" xmlns:r="http://schemas.openxmlformats.org/officeDocument/2006/relationships" xmlns:p="http://schemas.openxmlformats.org/presentationml/2006/main">
+  <p:cSld>
+    <p:spTree>
+      <p:nvGrpSpPr>
+        <p:cNvPr id="1" name=""/>
+        <p:cNvGrpSpPr/>
+        <p:nvPr/>
+      </p:nvGrpSpPr>
+      <p:grpSpPr>
+        <a:xfrm>
+          <a:off x="0" y="0"/>
+          <a:ext cx="0" cy="0"/>
+          <a:chOff x="0" y="0"/>
+          <a:chExt cx="0" cy="0"/>
+        </a:xfrm>
+      </p:grpSpPr>
+      <p:sp>
+        <p:nvSpPr>
+          <p:cNvPr id="2" name="Title 1"/>
+          <p:cNvSpPr>
+            <a:spLocks noGrp="1"/>
+          </p:cNvSpPr>
+          <p:nvPr>
+            <p:ph type="title"/>
+          </p:nvPr>
+        </p:nvSpPr>
+        <p:spPr/>
+        <p:txBody>
+          <a:bodyPr/>
+          <a:lstStyle/>
+          <a:p>
+            <a:r>
+              <a:rPr lang="en-US" dirty="0"/>
               <a:t>Neurotransmitter Terms</a:t>
             </a:r>
           </a:p>
@@ -6037,7 +6139,7 @@
 </p:sld>
 </file>
 
-<file path=ppt/slides/slide17.xml><?xml version="1.0" encoding="utf-8"?>
+<file path=ppt/slides/slide18.xml><?xml version="1.0" encoding="utf-8"?>
 <p:sld xmlns:a="http://schemas.openxmlformats.org/drawingml/2006/main" xmlns:r="http://schemas.openxmlformats.org/officeDocument/2006/relationships" xmlns:p="http://schemas.openxmlformats.org/presentationml/2006/main">
   <p:cSld>
     <p:spTree>
@@ -6219,7 +6321,12 @@
             <p:ph type="title"/>
           </p:nvPr>
         </p:nvSpPr>
-        <p:spPr/>
+        <p:spPr>
+          <a:xfrm>
+            <a:off x="456627" y="273514"/>
+            <a:ext cx="8227871" cy="717086"/>
+          </a:xfrm>
+        </p:spPr>
         <p:txBody>
           <a:bodyPr/>
           <a:lstStyle/>
@@ -6249,8 +6356,8 @@
         </p:blipFill>
         <p:spPr>
           <a:xfrm>
-            <a:off x="1616100" y="1605099"/>
-            <a:ext cx="5908930" cy="4524495"/>
+            <a:off x="914399" y="1132928"/>
+            <a:ext cx="6979287" cy="5344072"/>
           </a:xfrm>
         </p:spPr>
       </p:pic>
@@ -6720,7 +6827,13 @@
       </p:grpSpPr>
       <p:sp>
         <p:nvSpPr>
-          <p:cNvPr id="2" name="Title 1"/>
+          <p:cNvPr id="2" name="Title 1">
+            <a:extLst>
+              <a:ext uri="{FF2B5EF4-FFF2-40B4-BE49-F238E27FC236}">
+                <a16:creationId xmlns:a16="http://schemas.microsoft.com/office/drawing/2014/main" id="{01A4687D-6112-2F46-ACA9-9841CC6DD8AD}"/>
+              </a:ext>
+            </a:extLst>
+          </p:cNvPr>
           <p:cNvSpPr>
             <a:spLocks noGrp="1"/>
           </p:cNvSpPr>
@@ -6728,29 +6841,32 @@
             <p:ph type="title"/>
           </p:nvPr>
         </p:nvSpPr>
-        <p:spPr/>
+        <p:spPr>
+          <a:xfrm>
+            <a:off x="456627" y="273514"/>
+            <a:ext cx="8227871" cy="640886"/>
+          </a:xfrm>
+        </p:spPr>
         <p:txBody>
           <a:bodyPr/>
           <a:lstStyle/>
           <a:p>
             <a:r>
               <a:rPr lang="en-US" dirty="0"/>
-              <a:t>Visual Hierarchy: What </a:t>
-            </a:r>
-            <a:r>
-              <a:rPr lang="en-US" dirty="0" err="1"/>
-              <a:t>vs</a:t>
-            </a:r>
-            <a:r>
-              <a:rPr lang="en-US" dirty="0"/>
-              <a:t> Where</a:t>
+              <a:t>Functional Networks</a:t>
             </a:r>
           </a:p>
         </p:txBody>
       </p:sp>
       <p:pic>
         <p:nvPicPr>
-          <p:cNvPr id="5" name="Content Placeholder 4" descr="fig_vis_system_bio.png"/>
+          <p:cNvPr id="6" name="Content Placeholder 5">
+            <a:extLst>
+              <a:ext uri="{FF2B5EF4-FFF2-40B4-BE49-F238E27FC236}">
+                <a16:creationId xmlns:a16="http://schemas.microsoft.com/office/drawing/2014/main" id="{48F0FB57-20CC-B94E-A872-392A883ADC39}"/>
+              </a:ext>
+            </a:extLst>
+          </p:cNvPr>
           <p:cNvPicPr>
             <a:picLocks noGrp="1" noChangeAspect="1"/>
           </p:cNvPicPr>
@@ -6758,24 +6874,27 @@
             <p:ph idx="1"/>
           </p:nvPr>
         </p:nvPicPr>
-        <p:blipFill>
-          <a:blip r:embed="rId2">
+        <p:blipFill rotWithShape="1">
+          <a:blip r:embed="rId2"/>
+          <a:srcRect l="44792"/>
+          <a:stretch/>
+        </p:blipFill>
+        <p:spPr>
+          <a:xfrm>
+            <a:off x="1143000" y="939114"/>
+            <a:ext cx="2057400" cy="5812159"/>
+          </a:xfrm>
+        </p:spPr>
+      </p:pic>
+      <p:sp>
+        <p:nvSpPr>
+          <p:cNvPr id="4" name="Slide Number Placeholder 3">
             <a:extLst>
-              <a:ext uri="{28A0092B-C50C-407E-A947-70E740481C1C}">
-                <a14:useLocalDpi xmlns:a14="http://schemas.microsoft.com/office/drawing/2010/main" val="0"/>
+              <a:ext uri="{FF2B5EF4-FFF2-40B4-BE49-F238E27FC236}">
+                <a16:creationId xmlns:a16="http://schemas.microsoft.com/office/drawing/2014/main" id="{BB74C35D-707E-4E48-ADB7-5799E5A725EE}"/>
               </a:ext>
             </a:extLst>
-          </a:blip>
-          <a:srcRect l="-28336" r="-28336"/>
-          <a:stretch>
-            <a:fillRect/>
-          </a:stretch>
-        </p:blipFill>
-        <p:spPr/>
-      </p:pic>
-      <p:sp>
-        <p:nvSpPr>
-          <p:cNvPr id="4" name="Slide Number Placeholder 3"/>
+          </p:cNvPr>
           <p:cNvSpPr>
             <a:spLocks noGrp="1"/>
           </p:cNvSpPr>
@@ -6797,10 +6916,87 @@
           </a:p>
         </p:txBody>
       </p:sp>
+      <p:sp>
+        <p:nvSpPr>
+          <p:cNvPr id="7" name="TextBox 6">
+            <a:extLst>
+              <a:ext uri="{FF2B5EF4-FFF2-40B4-BE49-F238E27FC236}">
+                <a16:creationId xmlns:a16="http://schemas.microsoft.com/office/drawing/2014/main" id="{6BC16535-17D6-C446-BBFF-F36F0D872911}"/>
+              </a:ext>
+            </a:extLst>
+          </p:cNvPr>
+          <p:cNvSpPr txBox="1"/>
+          <p:nvPr/>
+        </p:nvSpPr>
+        <p:spPr>
+          <a:xfrm>
+            <a:off x="3206578" y="1056275"/>
+            <a:ext cx="5075937" cy="5078313"/>
+          </a:xfrm>
+          <a:prstGeom prst="rect">
+            <a:avLst/>
+          </a:prstGeom>
+          <a:noFill/>
+        </p:spPr>
+        <p:txBody>
+          <a:bodyPr wrap="square" rtlCol="0">
+            <a:spAutoFit/>
+          </a:bodyPr>
+          <a:lstStyle/>
+          <a:p>
+            <a:r>
+              <a:rPr lang="en-US" dirty="0"/>
+              <a:t>Salience: “hot” network of medial, ACC, Amygdala, Insula</a:t>
+            </a:r>
+          </a:p>
+          <a:p>
+            <a:endParaRPr lang="en-US" dirty="0"/>
+          </a:p>
+          <a:p>
+            <a:endParaRPr lang="en-US" dirty="0"/>
+          </a:p>
+          <a:p>
+            <a:endParaRPr lang="en-US" dirty="0"/>
+          </a:p>
+          <a:p>
+            <a:endParaRPr lang="en-US" dirty="0"/>
+          </a:p>
+          <a:p>
+            <a:endParaRPr lang="en-US" dirty="0"/>
+          </a:p>
+          <a:p>
+            <a:endParaRPr lang="en-US" dirty="0"/>
+          </a:p>
+          <a:p>
+            <a:r>
+              <a:rPr lang="en-US" dirty="0"/>
+              <a:t>“Default” network (where your brain likes to go): ruminating, mind-wandering, planning, autobiographical memories (+ hippocampus)</a:t>
+            </a:r>
+          </a:p>
+          <a:p>
+            <a:endParaRPr lang="en-US" dirty="0"/>
+          </a:p>
+          <a:p>
+            <a:endParaRPr lang="en-US" dirty="0"/>
+          </a:p>
+          <a:p>
+            <a:endParaRPr lang="en-US" dirty="0"/>
+          </a:p>
+          <a:p>
+            <a:endParaRPr lang="en-US" dirty="0"/>
+          </a:p>
+          <a:p>
+            <a:r>
+              <a:rPr lang="en-US" dirty="0"/>
+              <a:t>“Control” network: Parietal &lt;-&gt; Frontal network for directing attention, eye movements, manual behavior on cognitive tasks</a:t>
+            </a:r>
+          </a:p>
+        </p:txBody>
+      </p:sp>
     </p:spTree>
     <p:extLst>
       <p:ext uri="{BB962C8B-B14F-4D97-AF65-F5344CB8AC3E}">
-        <p14:creationId xmlns:p14="http://schemas.microsoft.com/office/powerpoint/2010/main" val="2917185617"/>
+        <p14:creationId xmlns:p14="http://schemas.microsoft.com/office/powerpoint/2010/main" val="1163364293"/>
       </p:ext>
     </p:extLst>
   </p:cSld>
@@ -6829,7 +7025,7 @@
       </p:grpSpPr>
       <p:sp>
         <p:nvSpPr>
-          <p:cNvPr id="3" name="Title 2"/>
+          <p:cNvPr id="2" name="Title 1"/>
           <p:cNvSpPr>
             <a:spLocks noGrp="1"/>
           </p:cNvSpPr>
@@ -6844,22 +7040,30 @@
           <a:p>
             <a:r>
               <a:rPr lang="en-US" dirty="0"/>
-              <a:t>“Van Essen” Hierarchy</a:t>
+              <a:t>Visual Hierarchy: What </a:t>
+            </a:r>
+            <a:r>
+              <a:rPr lang="en-US" dirty="0" err="1"/>
+              <a:t>vs</a:t>
+            </a:r>
+            <a:r>
+              <a:rPr lang="en-US" dirty="0"/>
+              <a:t> Where</a:t>
             </a:r>
           </a:p>
         </p:txBody>
       </p:sp>
       <p:pic>
         <p:nvPicPr>
-          <p:cNvPr id="5" name="Content Placeholder 4"/>
+          <p:cNvPr id="5" name="Content Placeholder 4" descr="fig_vis_system_bio.png"/>
           <p:cNvPicPr>
             <a:picLocks noGrp="1" noChangeAspect="1"/>
           </p:cNvPicPr>
           <p:nvPr>
-            <p:ph sz="half" idx="1"/>
+            <p:ph idx="1"/>
           </p:nvPr>
         </p:nvPicPr>
-        <p:blipFill rotWithShape="1">
+        <p:blipFill>
           <a:blip r:embed="rId2">
             <a:extLst>
               <a:ext uri="{28A0092B-C50C-407E-A947-70E740481C1C}">
@@ -6867,111 +7071,13 @@
               </a:ext>
             </a:extLst>
           </a:blip>
-          <a:srcRect t="-491" b="-433"/>
-          <a:stretch/>
+          <a:srcRect l="-28336" r="-28336"/>
+          <a:stretch>
+            <a:fillRect/>
+          </a:stretch>
         </p:blipFill>
-        <p:spPr>
-          <a:xfrm>
-            <a:off x="423493" y="1494249"/>
-            <a:ext cx="5047350" cy="4592279"/>
-          </a:xfrm>
-        </p:spPr>
+        <p:spPr/>
       </p:pic>
-      <p:sp>
-        <p:nvSpPr>
-          <p:cNvPr id="6" name="Content Placeholder 5"/>
-          <p:cNvSpPr>
-            <a:spLocks noGrp="1"/>
-          </p:cNvSpPr>
-          <p:nvPr>
-            <p:ph sz="half" idx="2"/>
-          </p:nvPr>
-        </p:nvSpPr>
-        <p:spPr>
-          <a:xfrm>
-            <a:off x="5678268" y="1605099"/>
-            <a:ext cx="3006227" cy="4524495"/>
-          </a:xfrm>
-        </p:spPr>
-        <p:txBody>
-          <a:bodyPr/>
-          <a:lstStyle/>
-          <a:p>
-            <a:pPr marL="97880" indent="0">
-              <a:buNone/>
-            </a:pPr>
-            <a:r>
-              <a:rPr lang="en-US" dirty="0"/>
-              <a:t>TE.. = Temporal</a:t>
-            </a:r>
-          </a:p>
-          <a:p>
-            <a:pPr marL="97880" indent="0">
-              <a:buNone/>
-            </a:pPr>
-            <a:r>
-              <a:rPr lang="en-US" dirty="0"/>
-              <a:t>LIP, DP.. = Parietal</a:t>
-            </a:r>
-          </a:p>
-          <a:p>
-            <a:pPr marL="97880" indent="0">
-              <a:buNone/>
-            </a:pPr>
-            <a:r>
-              <a:rPr lang="en-US" dirty="0"/>
-              <a:t>8L = Frontal Eye Field</a:t>
-            </a:r>
-          </a:p>
-          <a:p>
-            <a:pPr marL="97880" indent="0">
-              <a:buNone/>
-            </a:pPr>
-            <a:endParaRPr lang="en-US" dirty="0"/>
-          </a:p>
-          <a:p>
-            <a:pPr marL="97880" indent="0">
-              <a:buNone/>
-            </a:pPr>
-            <a:r>
-              <a:rPr lang="en-US" dirty="0"/>
-              <a:t>To hippocampus:</a:t>
-            </a:r>
-          </a:p>
-          <a:p>
-            <a:pPr marL="97880" indent="0">
-              <a:buNone/>
-            </a:pPr>
-            <a:r>
-              <a:rPr lang="en-US" dirty="0"/>
-              <a:t>TH/F = </a:t>
-            </a:r>
-            <a:r>
-              <a:rPr lang="en-US" dirty="0" err="1"/>
-              <a:t>Parahippo</a:t>
-            </a:r>
-            <a:endParaRPr lang="en-US" dirty="0"/>
-          </a:p>
-          <a:p>
-            <a:pPr marL="97880" indent="0">
-              <a:buNone/>
-            </a:pPr>
-            <a:r>
-              <a:rPr lang="en-US" dirty="0" err="1"/>
-              <a:t>peri</a:t>
-            </a:r>
-            <a:r>
-              <a:rPr lang="en-US" dirty="0"/>
-              <a:t> = </a:t>
-            </a:r>
-            <a:r>
-              <a:rPr lang="en-US" dirty="0" err="1"/>
-              <a:t>Perirhinal</a:t>
-            </a:r>
-            <a:endParaRPr lang="en-US" dirty="0"/>
-          </a:p>
-        </p:txBody>
-      </p:sp>
       <p:sp>
         <p:nvSpPr>
           <p:cNvPr id="4" name="Slide Number Placeholder 3"/>
@@ -6996,39 +7102,10 @@
           </a:p>
         </p:txBody>
       </p:sp>
-      <p:sp>
-        <p:nvSpPr>
-          <p:cNvPr id="7" name="TextBox 6"/>
-          <p:cNvSpPr txBox="1"/>
-          <p:nvPr/>
-        </p:nvSpPr>
-        <p:spPr>
-          <a:xfrm>
-            <a:off x="423493" y="6123831"/>
-            <a:ext cx="4010223" cy="360755"/>
-          </a:xfrm>
-          <a:prstGeom prst="rect">
-            <a:avLst/>
-          </a:prstGeom>
-          <a:noFill/>
-        </p:spPr>
-        <p:txBody>
-          <a:bodyPr wrap="square" lIns="82945" tIns="41473" rIns="82945" bIns="41473" rtlCol="0">
-            <a:spAutoFit/>
-          </a:bodyPr>
-          <a:lstStyle/>
-          <a:p>
-            <a:r>
-              <a:rPr lang="en-US" dirty="0"/>
-              <a:t>Markov et al., 2014</a:t>
-            </a:r>
-          </a:p>
-        </p:txBody>
-      </p:sp>
     </p:spTree>
     <p:extLst>
       <p:ext uri="{BB962C8B-B14F-4D97-AF65-F5344CB8AC3E}">
-        <p14:creationId xmlns:p14="http://schemas.microsoft.com/office/powerpoint/2010/main" val="287539830"/>
+        <p14:creationId xmlns:p14="http://schemas.microsoft.com/office/powerpoint/2010/main" val="2917185617"/>
       </p:ext>
     </p:extLst>
   </p:cSld>
@@ -7055,14 +7132,36 @@
           <a:chExt cx="0" cy="0"/>
         </a:xfrm>
       </p:grpSpPr>
+      <p:sp>
+        <p:nvSpPr>
+          <p:cNvPr id="3" name="Title 2"/>
+          <p:cNvSpPr>
+            <a:spLocks noGrp="1"/>
+          </p:cNvSpPr>
+          <p:nvPr>
+            <p:ph type="title"/>
+          </p:nvPr>
+        </p:nvSpPr>
+        <p:spPr/>
+        <p:txBody>
+          <a:bodyPr/>
+          <a:lstStyle/>
+          <a:p>
+            <a:r>
+              <a:rPr lang="en-US" dirty="0"/>
+              <a:t>“Van Essen” Hierarchy</a:t>
+            </a:r>
+          </a:p>
+        </p:txBody>
+      </p:sp>
       <p:pic>
         <p:nvPicPr>
-          <p:cNvPr id="5" name="Content Placeholder 4" descr="fig_felleman_vanessen.png"/>
+          <p:cNvPr id="5" name="Content Placeholder 4"/>
           <p:cNvPicPr>
             <a:picLocks noGrp="1" noChangeAspect="1"/>
           </p:cNvPicPr>
           <p:nvPr>
-            <p:ph idx="1"/>
+            <p:ph sz="half" idx="1"/>
           </p:nvPr>
         </p:nvPicPr>
         <p:blipFill rotWithShape="1">
@@ -7073,16 +7172,111 @@
               </a:ext>
             </a:extLst>
           </a:blip>
-          <a:srcRect l="-470" r="-776"/>
+          <a:srcRect t="-491" b="-433"/>
           <a:stretch/>
         </p:blipFill>
         <p:spPr>
           <a:xfrm>
-            <a:off x="2514600" y="273168"/>
-            <a:ext cx="4876800" cy="5856424"/>
+            <a:off x="423493" y="1494249"/>
+            <a:ext cx="5047350" cy="4592279"/>
           </a:xfrm>
         </p:spPr>
       </p:pic>
+      <p:sp>
+        <p:nvSpPr>
+          <p:cNvPr id="6" name="Content Placeholder 5"/>
+          <p:cNvSpPr>
+            <a:spLocks noGrp="1"/>
+          </p:cNvSpPr>
+          <p:nvPr>
+            <p:ph sz="half" idx="2"/>
+          </p:nvPr>
+        </p:nvSpPr>
+        <p:spPr>
+          <a:xfrm>
+            <a:off x="5678268" y="1605099"/>
+            <a:ext cx="3006227" cy="4524495"/>
+          </a:xfrm>
+        </p:spPr>
+        <p:txBody>
+          <a:bodyPr/>
+          <a:lstStyle/>
+          <a:p>
+            <a:pPr marL="97880" indent="0">
+              <a:buNone/>
+            </a:pPr>
+            <a:r>
+              <a:rPr lang="en-US" dirty="0"/>
+              <a:t>TE.. = Temporal</a:t>
+            </a:r>
+          </a:p>
+          <a:p>
+            <a:pPr marL="97880" indent="0">
+              <a:buNone/>
+            </a:pPr>
+            <a:r>
+              <a:rPr lang="en-US" dirty="0"/>
+              <a:t>LIP, DP.. = Parietal</a:t>
+            </a:r>
+          </a:p>
+          <a:p>
+            <a:pPr marL="97880" indent="0">
+              <a:buNone/>
+            </a:pPr>
+            <a:r>
+              <a:rPr lang="en-US" dirty="0"/>
+              <a:t>8L = Frontal Eye Field</a:t>
+            </a:r>
+          </a:p>
+          <a:p>
+            <a:pPr marL="97880" indent="0">
+              <a:buNone/>
+            </a:pPr>
+            <a:endParaRPr lang="en-US" dirty="0"/>
+          </a:p>
+          <a:p>
+            <a:pPr marL="97880" indent="0">
+              <a:buNone/>
+            </a:pPr>
+            <a:r>
+              <a:rPr lang="en-US" dirty="0"/>
+              <a:t>To hippocampus:</a:t>
+            </a:r>
+          </a:p>
+          <a:p>
+            <a:pPr marL="97880" indent="0">
+              <a:buNone/>
+            </a:pPr>
+            <a:r>
+              <a:rPr lang="en-US" dirty="0"/>
+              <a:t>TH/F = </a:t>
+            </a:r>
+            <a:r>
+              <a:rPr lang="en-US" dirty="0" err="1"/>
+              <a:t>Parahippo</a:t>
+            </a:r>
+            <a:endParaRPr lang="en-US" dirty="0"/>
+          </a:p>
+          <a:p>
+            <a:pPr marL="97880" indent="0">
+              <a:buNone/>
+            </a:pPr>
+            <a:r>
+              <a:rPr lang="en-US" dirty="0" err="1"/>
+              <a:t>peri</a:t>
+            </a:r>
+            <a:r>
+              <a:rPr lang="en-US" dirty="0"/>
+              <a:t> = </a:t>
+            </a:r>
+            <a:r>
+              <a:rPr lang="en-US" dirty="0" err="1"/>
+              <a:t>Perirhinal</a:t>
+            </a:r>
+            <a:endParaRPr lang="en-US" dirty="0"/>
+          </a:p>
+        </p:txBody>
+      </p:sp>
       <p:sp>
         <p:nvSpPr>
           <p:cNvPr id="4" name="Slide Number Placeholder 3"/>
@@ -7107,10 +7301,39 @@
           </a:p>
         </p:txBody>
       </p:sp>
+      <p:sp>
+        <p:nvSpPr>
+          <p:cNvPr id="7" name="TextBox 6"/>
+          <p:cNvSpPr txBox="1"/>
+          <p:nvPr/>
+        </p:nvSpPr>
+        <p:spPr>
+          <a:xfrm>
+            <a:off x="423493" y="6123831"/>
+            <a:ext cx="4010223" cy="360755"/>
+          </a:xfrm>
+          <a:prstGeom prst="rect">
+            <a:avLst/>
+          </a:prstGeom>
+          <a:noFill/>
+        </p:spPr>
+        <p:txBody>
+          <a:bodyPr wrap="square" lIns="82945" tIns="41473" rIns="82945" bIns="41473" rtlCol="0">
+            <a:spAutoFit/>
+          </a:bodyPr>
+          <a:lstStyle/>
+          <a:p>
+            <a:r>
+              <a:rPr lang="en-US" dirty="0"/>
+              <a:t>Markov et al., 2014</a:t>
+            </a:r>
+          </a:p>
+        </p:txBody>
+      </p:sp>
     </p:spTree>
     <p:extLst>
       <p:ext uri="{BB962C8B-B14F-4D97-AF65-F5344CB8AC3E}">
-        <p14:creationId xmlns:p14="http://schemas.microsoft.com/office/powerpoint/2010/main" val="224963667"/>
+        <p14:creationId xmlns:p14="http://schemas.microsoft.com/office/powerpoint/2010/main" val="287539830"/>
       </p:ext>
     </p:extLst>
   </p:cSld>
@@ -7137,31 +7360,9 @@
           <a:chExt cx="0" cy="0"/>
         </a:xfrm>
       </p:grpSpPr>
-      <p:sp>
-        <p:nvSpPr>
-          <p:cNvPr id="2" name="Title 1"/>
-          <p:cNvSpPr>
-            <a:spLocks noGrp="1"/>
-          </p:cNvSpPr>
-          <p:nvPr>
-            <p:ph type="title"/>
-          </p:nvPr>
-        </p:nvSpPr>
-        <p:spPr/>
-        <p:txBody>
-          <a:bodyPr/>
-          <a:lstStyle/>
-          <a:p>
-            <a:r>
-              <a:rPr lang="en-US" dirty="0"/>
-              <a:t>Hierarchy of Detectors..</a:t>
-            </a:r>
-          </a:p>
-        </p:txBody>
-      </p:sp>
       <p:pic>
         <p:nvPicPr>
-          <p:cNvPr id="5" name="Content Placeholder 4" descr="fig_category_hierarch_dist_reps.png"/>
+          <p:cNvPr id="5" name="Content Placeholder 4" descr="fig_felleman_vanessen.png"/>
           <p:cNvPicPr>
             <a:picLocks noGrp="1" noChangeAspect="1"/>
           </p:cNvPicPr>
@@ -7169,7 +7370,7 @@
             <p:ph idx="1"/>
           </p:nvPr>
         </p:nvPicPr>
-        <p:blipFill>
+        <p:blipFill rotWithShape="1">
           <a:blip r:embed="rId2">
             <a:extLst>
               <a:ext uri="{28A0092B-C50C-407E-A947-70E740481C1C}">
@@ -7177,12 +7378,15 @@
               </a:ext>
             </a:extLst>
           </a:blip>
-          <a:srcRect t="-36384" b="-36384"/>
-          <a:stretch>
-            <a:fillRect/>
-          </a:stretch>
+          <a:srcRect l="-470" r="-776"/>
+          <a:stretch/>
         </p:blipFill>
-        <p:spPr/>
+        <p:spPr>
+          <a:xfrm>
+            <a:off x="2514600" y="273168"/>
+            <a:ext cx="4876800" cy="5856424"/>
+          </a:xfrm>
+        </p:spPr>
       </p:pic>
       <p:sp>
         <p:nvSpPr>
@@ -7211,7 +7415,7 @@
     </p:spTree>
     <p:extLst>
       <p:ext uri="{BB962C8B-B14F-4D97-AF65-F5344CB8AC3E}">
-        <p14:creationId xmlns:p14="http://schemas.microsoft.com/office/powerpoint/2010/main" val="3812628111"/>
+        <p14:creationId xmlns:p14="http://schemas.microsoft.com/office/powerpoint/2010/main" val="224963667"/>
       </p:ext>
     </p:extLst>
   </p:cSld>
